--- a/teaching/expdes/lectures/week14.pptx
+++ b/teaching/expdes/lectures/week14.pptx
@@ -4795,8 +4795,22 @@
               <a:t>Rmarkdown</a:t>
             </a:r>
             <a:r>
+              <a:rPr lang="en-US" sz="2000"/>
+              <a:t> or PCA </a:t>
+            </a:r>
+          </a:p>
+          <a:p>
+            <a:r>
+              <a:rPr lang="en-US" sz="2000"/>
+              <a:t>(</a:t>
+            </a:r>
+            <a:r>
               <a:rPr lang="en-US" sz="2000" dirty="0"/>
-              <a:t> (otherwise you can skip). Final homework will post on Thursday it will cover doing a simple PCA.</a:t>
+              <a:t>otherwise you can skip</a:t>
+            </a:r>
+            <a:r>
+              <a:rPr lang="en-US" sz="2000"/>
+              <a:t>). </a:t>
             </a:r>
           </a:p>
           <a:p>
@@ -5020,7 +5034,7 @@
                                         <p:tgtEl>
                                           <p:spTgt spid="3">
                                             <p:txEl>
-                                              <p:pRg st="2" end="2"/>
+                                              <p:pRg st="1" end="1"/>
                                             </p:txEl>
                                           </p:spTgt>
                                         </p:tgtEl>
@@ -5035,39 +5049,26 @@
                                   </p:childTnLst>
                                 </p:cTn>
                               </p:par>
+                            </p:childTnLst>
+                          </p:cTn>
+                        </p:par>
+                      </p:childTnLst>
+                    </p:cTn>
+                  </p:par>
+                  <p:par>
+                    <p:cTn id="11" fill="hold">
+                      <p:stCondLst>
+                        <p:cond delay="indefinite"/>
+                      </p:stCondLst>
+                      <p:childTnLst>
+                        <p:par>
+                          <p:cTn id="12" fill="hold">
+                            <p:stCondLst>
+                              <p:cond delay="0"/>
+                            </p:stCondLst>
+                            <p:childTnLst>
                               <p:par>
-                                <p:cTn id="11" presetID="1" presetClass="entr" presetSubtype="0" fill="hold" nodeType="withEffect">
-                                  <p:stCondLst>
-                                    <p:cond delay="0"/>
-                                  </p:stCondLst>
-                                  <p:childTnLst>
-                                    <p:set>
-                                      <p:cBhvr>
-                                        <p:cTn id="12" dur="1" fill="hold">
-                                          <p:stCondLst>
-                                            <p:cond delay="0"/>
-                                          </p:stCondLst>
-                                        </p:cTn>
-                                        <p:tgtEl>
-                                          <p:spTgt spid="3">
-                                            <p:txEl>
-                                              <p:pRg st="3" end="3"/>
-                                            </p:txEl>
-                                          </p:spTgt>
-                                        </p:tgtEl>
-                                        <p:attrNameLst>
-                                          <p:attrName>style.visibility</p:attrName>
-                                        </p:attrNameLst>
-                                      </p:cBhvr>
-                                      <p:to>
-                                        <p:strVal val="visible"/>
-                                      </p:to>
-                                    </p:set>
-                                  </p:childTnLst>
-                                </p:cTn>
-                              </p:par>
-                              <p:par>
-                                <p:cTn id="13" presetID="1" presetClass="entr" presetSubtype="0" fill="hold" nodeType="withEffect">
+                                <p:cTn id="13" presetID="1" presetClass="entr" presetSubtype="0" fill="hold" nodeType="clickEffect">
                                   <p:stCondLst>
                                     <p:cond delay="0"/>
                                   </p:stCondLst>
@@ -5082,7 +5083,7 @@
                                         <p:tgtEl>
                                           <p:spTgt spid="3">
                                             <p:txEl>
-                                              <p:pRg st="4" end="4"/>
+                                              <p:pRg st="3" end="3"/>
                                             </p:txEl>
                                           </p:spTgt>
                                         </p:tgtEl>
@@ -5113,7 +5114,7 @@
                                         <p:tgtEl>
                                           <p:spTgt spid="3">
                                             <p:txEl>
-                                              <p:pRg st="5" end="5"/>
+                                              <p:pRg st="4" end="4"/>
                                             </p:txEl>
                                           </p:spTgt>
                                         </p:tgtEl>
@@ -5144,7 +5145,7 @@
                                         <p:tgtEl>
                                           <p:spTgt spid="3">
                                             <p:txEl>
-                                              <p:pRg st="6" end="6"/>
+                                              <p:pRg st="5" end="5"/>
                                             </p:txEl>
                                           </p:spTgt>
                                         </p:tgtEl>
@@ -5175,7 +5176,7 @@
                                         <p:tgtEl>
                                           <p:spTgt spid="3">
                                             <p:txEl>
-                                              <p:pRg st="7" end="7"/>
+                                              <p:pRg st="6" end="6"/>
                                             </p:txEl>
                                           </p:spTgt>
                                         </p:tgtEl>
@@ -5206,7 +5207,7 @@
                                         <p:tgtEl>
                                           <p:spTgt spid="3">
                                             <p:txEl>
-                                              <p:pRg st="8" end="8"/>
+                                              <p:pRg st="7" end="7"/>
                                             </p:txEl>
                                           </p:spTgt>
                                         </p:tgtEl>
@@ -5237,7 +5238,7 @@
                                         <p:tgtEl>
                                           <p:spTgt spid="3">
                                             <p:txEl>
-                                              <p:pRg st="9" end="9"/>
+                                              <p:pRg st="8" end="8"/>
                                             </p:txEl>
                                           </p:spTgt>
                                         </p:tgtEl>
@@ -5268,6 +5269,37 @@
                                         <p:tgtEl>
                                           <p:spTgt spid="3">
                                             <p:txEl>
+                                              <p:pRg st="9" end="9"/>
+                                            </p:txEl>
+                                          </p:spTgt>
+                                        </p:tgtEl>
+                                        <p:attrNameLst>
+                                          <p:attrName>style.visibility</p:attrName>
+                                        </p:attrNameLst>
+                                      </p:cBhvr>
+                                      <p:to>
+                                        <p:strVal val="visible"/>
+                                      </p:to>
+                                    </p:set>
+                                  </p:childTnLst>
+                                </p:cTn>
+                              </p:par>
+                              <p:par>
+                                <p:cTn id="27" presetID="1" presetClass="entr" presetSubtype="0" fill="hold" nodeType="withEffect">
+                                  <p:stCondLst>
+                                    <p:cond delay="0"/>
+                                  </p:stCondLst>
+                                  <p:childTnLst>
+                                    <p:set>
+                                      <p:cBhvr>
+                                        <p:cTn id="28" dur="1" fill="hold">
+                                          <p:stCondLst>
+                                            <p:cond delay="0"/>
+                                          </p:stCondLst>
+                                        </p:cTn>
+                                        <p:tgtEl>
+                                          <p:spTgt spid="3">
+                                            <p:txEl>
                                               <p:pRg st="10" end="10"/>
                                             </p:txEl>
                                           </p:spTgt>
@@ -5283,26 +5315,8 @@
                                   </p:childTnLst>
                                 </p:cTn>
                               </p:par>
-                            </p:childTnLst>
-                          </p:cTn>
-                        </p:par>
-                      </p:childTnLst>
-                    </p:cTn>
-                  </p:par>
-                  <p:par>
-                    <p:cTn id="27" fill="hold">
-                      <p:stCondLst>
-                        <p:cond delay="indefinite"/>
-                      </p:stCondLst>
-                      <p:childTnLst>
-                        <p:par>
-                          <p:cTn id="28" fill="hold">
-                            <p:stCondLst>
-                              <p:cond delay="0"/>
-                            </p:stCondLst>
-                            <p:childTnLst>
                               <p:par>
-                                <p:cTn id="29" presetID="1" presetClass="entr" presetSubtype="0" fill="hold" nodeType="clickEffect">
+                                <p:cTn id="29" presetID="1" presetClass="entr" presetSubtype="0" fill="hold" nodeType="withEffect">
                                   <p:stCondLst>
                                     <p:cond delay="0"/>
                                   </p:stCondLst>
@@ -5317,7 +5331,7 @@
                                         <p:tgtEl>
                                           <p:spTgt spid="3">
                                             <p:txEl>
-                                              <p:pRg st="12" end="12"/>
+                                              <p:pRg st="11" end="11"/>
                                             </p:txEl>
                                           </p:spTgt>
                                         </p:tgtEl>
@@ -5366,7 +5380,7 @@
                                         <p:tgtEl>
                                           <p:spTgt spid="3">
                                             <p:txEl>
-                                              <p:pRg st="14" end="14"/>
+                                              <p:pRg st="13" end="13"/>
                                             </p:txEl>
                                           </p:spTgt>
                                         </p:tgtEl>
@@ -5415,7 +5429,56 @@
                                         <p:tgtEl>
                                           <p:spTgt spid="3">
                                             <p:txEl>
-                                              <p:pRg st="16" end="16"/>
+                                              <p:pRg st="15" end="15"/>
+                                            </p:txEl>
+                                          </p:spTgt>
+                                        </p:tgtEl>
+                                        <p:attrNameLst>
+                                          <p:attrName>style.visibility</p:attrName>
+                                        </p:attrNameLst>
+                                      </p:cBhvr>
+                                      <p:to>
+                                        <p:strVal val="visible"/>
+                                      </p:to>
+                                    </p:set>
+                                  </p:childTnLst>
+                                </p:cTn>
+                              </p:par>
+                            </p:childTnLst>
+                          </p:cTn>
+                        </p:par>
+                      </p:childTnLst>
+                    </p:cTn>
+                  </p:par>
+                  <p:par>
+                    <p:cTn id="39" fill="hold">
+                      <p:stCondLst>
+                        <p:cond delay="indefinite"/>
+                      </p:stCondLst>
+                      <p:childTnLst>
+                        <p:par>
+                          <p:cTn id="40" fill="hold">
+                            <p:stCondLst>
+                              <p:cond delay="0"/>
+                            </p:stCondLst>
+                            <p:childTnLst>
+                              <p:par>
+                                <p:cTn id="41" presetID="1" presetClass="entr" presetSubtype="0" fill="hold" nodeType="clickEffect">
+                                  <p:stCondLst>
+                                    <p:cond delay="0"/>
+                                  </p:stCondLst>
+                                  <p:childTnLst>
+                                    <p:set>
+                                      <p:cBhvr>
+                                        <p:cTn id="42" dur="1" fill="hold">
+                                          <p:stCondLst>
+                                            <p:cond delay="0"/>
+                                          </p:stCondLst>
+                                        </p:cTn>
+                                        <p:tgtEl>
+                                          <p:spTgt spid="3">
+                                            <p:txEl>
+                                              <p:pRg st="17" end="17"/>
                                             </p:txEl>
                                           </p:spTgt>
                                         </p:tgtEl>
